--- a/kursovaya/Презентация.pptx
+++ b/kursovaya/Презентация.pptx
@@ -259,7 +259,7 @@
           <a:p>
             <a:fld id="{8CD26A2A-0A96-0647-84E5-C82F2EFD9474}" type="datetimeFigureOut">
               <a:rPr lang="en-US" smtClean="0"/>
-              <a:t>11/29/2023</a:t>
+              <a:t>11/30/2023</a:t>
             </a:fld>
             <a:endParaRPr lang="en-US" dirty="0"/>
           </a:p>
@@ -448,7 +448,7 @@
           <a:p>
             <a:fld id="{546253B2-FD87-4AAE-AF69-14FE02FB4D05}" type="datetimeFigureOut">
               <a:rPr lang="en-US" smtClean="0"/>
-              <a:t>11/29/2023</a:t>
+              <a:t>11/30/2023</a:t>
             </a:fld>
             <a:endParaRPr lang="en-US"/>
           </a:p>
@@ -25308,7 +25308,7 @@
         </p:blipFill>
         <p:spPr>
           <a:xfrm>
-            <a:off x="486536" y="3362980"/>
+            <a:off x="7134370" y="3280159"/>
             <a:ext cx="4077269" cy="1333686"/>
           </a:xfrm>
           <a:prstGeom prst="rect">
@@ -25338,7 +25338,7 @@
         </p:blipFill>
         <p:spPr>
           <a:xfrm>
-            <a:off x="486536" y="4997043"/>
+            <a:off x="486536" y="5282269"/>
             <a:ext cx="5048955" cy="1162212"/>
           </a:xfrm>
           <a:prstGeom prst="rect">
@@ -25368,7 +25368,7 @@
         </p:blipFill>
         <p:spPr>
           <a:xfrm>
-            <a:off x="6455116" y="1269641"/>
+            <a:off x="6339281" y="5201537"/>
             <a:ext cx="5115639" cy="1209844"/>
           </a:xfrm>
           <a:prstGeom prst="rect">
@@ -25398,8 +25398,38 @@
         </p:blipFill>
         <p:spPr>
           <a:xfrm>
-            <a:off x="6455116" y="3362980"/>
+            <a:off x="6143631" y="1802628"/>
             <a:ext cx="5020376" cy="1181265"/>
+          </a:xfrm>
+          <a:prstGeom prst="rect">
+            <a:avLst/>
+          </a:prstGeom>
+        </p:spPr>
+      </p:pic>
+      <p:pic>
+        <p:nvPicPr>
+          <p:cNvPr id="3" name="Picture 2">
+            <a:extLst>
+              <a:ext uri="{FF2B5EF4-FFF2-40B4-BE49-F238E27FC236}">
+                <a16:creationId xmlns:a16="http://schemas.microsoft.com/office/drawing/2014/main" id="{65FB6857-1161-4D13-B479-4082F9FA2B4D}"/>
+              </a:ext>
+            </a:extLst>
+          </p:cNvPr>
+          <p:cNvPicPr>
+            <a:picLocks noChangeAspect="1"/>
+          </p:cNvPicPr>
+          <p:nvPr/>
+        </p:nvPicPr>
+        <p:blipFill>
+          <a:blip r:embed="rId7"/>
+          <a:stretch>
+            <a:fillRect/>
+          </a:stretch>
+        </p:blipFill>
+        <p:spPr>
+          <a:xfrm>
+            <a:off x="486536" y="3215393"/>
+            <a:ext cx="6400826" cy="1700114"/>
           </a:xfrm>
           <a:prstGeom prst="rect">
             <a:avLst/>
@@ -25476,10 +25506,10 @@
       </p:sp>
       <p:pic>
         <p:nvPicPr>
-          <p:cNvPr id="7" name="Picture 6">
+          <p:cNvPr id="6" name="Picture 5">
             <a:extLst>
               <a:ext uri="{FF2B5EF4-FFF2-40B4-BE49-F238E27FC236}">
-                <a16:creationId xmlns:a16="http://schemas.microsoft.com/office/drawing/2014/main" id="{2C555467-4B16-45D0-A983-2A3B54C44826}"/>
+                <a16:creationId xmlns:a16="http://schemas.microsoft.com/office/drawing/2014/main" id="{624C8200-ACE4-4CB8-AA29-29B872763D3F}"/>
               </a:ext>
             </a:extLst>
           </p:cNvPr>
@@ -25496,8 +25526,8 @@
         </p:blipFill>
         <p:spPr>
           <a:xfrm>
-            <a:off x="104005" y="1352531"/>
-            <a:ext cx="3911287" cy="4837176"/>
+            <a:off x="400742" y="4485955"/>
+            <a:ext cx="7628627" cy="2097087"/>
           </a:xfrm>
           <a:prstGeom prst="rect">
             <a:avLst/>
@@ -25506,10 +25536,10 @@
       </p:pic>
       <p:pic>
         <p:nvPicPr>
-          <p:cNvPr id="11" name="Picture 10">
+          <p:cNvPr id="9" name="Picture 8">
             <a:extLst>
               <a:ext uri="{FF2B5EF4-FFF2-40B4-BE49-F238E27FC236}">
-                <a16:creationId xmlns:a16="http://schemas.microsoft.com/office/drawing/2014/main" id="{09E64FDA-8B99-4F8C-B03F-E94D39C425D1}"/>
+                <a16:creationId xmlns:a16="http://schemas.microsoft.com/office/drawing/2014/main" id="{E36CFBDB-2EF4-4C53-87E8-6C7FB96D128E}"/>
               </a:ext>
             </a:extLst>
           </p:cNvPr>
@@ -25526,8 +25556,8 @@
         </p:blipFill>
         <p:spPr>
           <a:xfrm>
-            <a:off x="8264608" y="1352530"/>
-            <a:ext cx="3823387" cy="3704101"/>
+            <a:off x="809393" y="912543"/>
+            <a:ext cx="6811326" cy="3439005"/>
           </a:xfrm>
           <a:prstGeom prst="rect">
             <a:avLst/>
@@ -25536,10 +25566,10 @@
       </p:pic>
       <p:pic>
         <p:nvPicPr>
-          <p:cNvPr id="13" name="Picture 12">
+          <p:cNvPr id="7" name="Picture 6">
             <a:extLst>
               <a:ext uri="{FF2B5EF4-FFF2-40B4-BE49-F238E27FC236}">
-                <a16:creationId xmlns:a16="http://schemas.microsoft.com/office/drawing/2014/main" id="{0D7E1D4C-BCCB-4833-9D85-D8796769C55D}"/>
+                <a16:creationId xmlns:a16="http://schemas.microsoft.com/office/drawing/2014/main" id="{2C555467-4B16-45D0-A983-2A3B54C44826}"/>
               </a:ext>
             </a:extLst>
           </p:cNvPr>
@@ -25556,8 +25586,8 @@
         </p:blipFill>
         <p:spPr>
           <a:xfrm>
-            <a:off x="4151270" y="1352531"/>
-            <a:ext cx="4025440" cy="3768243"/>
+            <a:off x="7879971" y="912543"/>
+            <a:ext cx="3911287" cy="4837176"/>
           </a:xfrm>
           <a:prstGeom prst="rect">
             <a:avLst/>
@@ -25650,7 +25680,7 @@
         </p:blipFill>
         <p:spPr>
           <a:xfrm>
-            <a:off x="833563" y="1696038"/>
+            <a:off x="1605128" y="756471"/>
             <a:ext cx="3829584" cy="3715268"/>
           </a:xfrm>
           <a:prstGeom prst="rect">
@@ -25710,8 +25740,38 @@
         </p:blipFill>
         <p:spPr>
           <a:xfrm>
-            <a:off x="6299956" y="3553672"/>
+            <a:off x="6920742" y="3553672"/>
             <a:ext cx="4763165" cy="3029373"/>
+          </a:xfrm>
+          <a:prstGeom prst="rect">
+            <a:avLst/>
+          </a:prstGeom>
+        </p:spPr>
+      </p:pic>
+      <p:pic>
+        <p:nvPicPr>
+          <p:cNvPr id="6" name="Picture 5">
+            <a:extLst>
+              <a:ext uri="{FF2B5EF4-FFF2-40B4-BE49-F238E27FC236}">
+                <a16:creationId xmlns:a16="http://schemas.microsoft.com/office/drawing/2014/main" id="{8689BE86-596A-4733-851C-9FA757DDCFA6}"/>
+              </a:ext>
+            </a:extLst>
+          </p:cNvPr>
+          <p:cNvPicPr>
+            <a:picLocks noChangeAspect="1"/>
+          </p:cNvPicPr>
+          <p:nvPr/>
+        </p:nvPicPr>
+        <p:blipFill>
+          <a:blip r:embed="rId5"/>
+          <a:stretch>
+            <a:fillRect/>
+          </a:stretch>
+        </p:blipFill>
+        <p:spPr>
+          <a:xfrm>
+            <a:off x="584158" y="3706094"/>
+            <a:ext cx="5715798" cy="2876951"/>
           </a:xfrm>
           <a:prstGeom prst="rect">
             <a:avLst/>
@@ -26765,26 +26825,6 @@
 </file>
 
 <file path=customXml/item2.xml><?xml version="1.0" encoding="utf-8"?>
-<p:properties xmlns:p="http://schemas.microsoft.com/office/2006/metadata/properties" xmlns:xsi="http://www.w3.org/2001/XMLSchema-instance" xmlns:pc="http://schemas.microsoft.com/office/infopath/2007/PartnerControls">
-  <documentManagement>
-    <_ip_UnifiedCompliancePolicyUIAction xmlns="http://schemas.microsoft.com/sharepoint/v3" xsi:nil="true"/>
-    <Image xmlns="71af3243-3dd4-4a8d-8c0d-dd76da1f02a5">
-      <Url xsi:nil="true"/>
-      <Description xsi:nil="true"/>
-    </Image>
-    <Status xmlns="71af3243-3dd4-4a8d-8c0d-dd76da1f02a5">Not started</Status>
-    <Background xmlns="71af3243-3dd4-4a8d-8c0d-dd76da1f02a5">false</Background>
-    <_ip_UnifiedCompliancePolicyProperties xmlns="http://schemas.microsoft.com/sharepoint/v3" xsi:nil="true"/>
-    <ImageTagsTaxHTField xmlns="71af3243-3dd4-4a8d-8c0d-dd76da1f02a5">
-      <Terms xmlns="http://schemas.microsoft.com/office/infopath/2007/PartnerControls"/>
-    </ImageTagsTaxHTField>
-    <TaxCatchAll xmlns="230e9df3-be65-4c73-a93b-d1236ebd677e" xsi:nil="true"/>
-    <MediaServiceKeyPoints xmlns="71af3243-3dd4-4a8d-8c0d-dd76da1f02a5" xsi:nil="true"/>
-  </documentManagement>
-</p:properties>
-</file>
-
-<file path=customXml/item3.xml><?xml version="1.0" encoding="utf-8"?>
 <ct:contentTypeSchema xmlns:ct="http://schemas.microsoft.com/office/2006/metadata/contentType" xmlns:ma="http://schemas.microsoft.com/office/2006/metadata/properties/metaAttributes" ct:_="" ma:_="" ma:contentTypeName="Document" ma:contentTypeID="0x01010079F111ED35F8CC479449609E8A0923A6" ma:contentTypeVersion="28" ma:contentTypeDescription="Create a new document." ma:contentTypeScope="" ma:versionID="60f5a4f2d2b0abadcf532d48ebf9cb71">
   <xsd:schema xmlns:xsd="http://www.w3.org/2001/XMLSchema" xmlns:xs="http://www.w3.org/2001/XMLSchema" xmlns:p="http://schemas.microsoft.com/office/2006/metadata/properties" xmlns:ns1="http://schemas.microsoft.com/sharepoint/v3" xmlns:ns2="71af3243-3dd4-4a8d-8c0d-dd76da1f02a5" xmlns:ns3="16c05727-aa75-4e4a-9b5f-8a80a1165891" xmlns:ns4="230e9df3-be65-4c73-a93b-d1236ebd677e" targetNamespace="http://schemas.microsoft.com/office/2006/metadata/properties" ma:root="true" ma:fieldsID="7dd78129e6a1811f84807ad11c651531" ns1:_="" ns2:_="" ns3:_="" ns4:_="">
     <xsd:import namespace="http://schemas.microsoft.com/sharepoint/v3"/>
@@ -27096,6 +27136,26 @@
 </ct:contentTypeSchema>
 </file>
 
+<file path=customXml/item3.xml><?xml version="1.0" encoding="utf-8"?>
+<p:properties xmlns:p="http://schemas.microsoft.com/office/2006/metadata/properties" xmlns:xsi="http://www.w3.org/2001/XMLSchema-instance" xmlns:pc="http://schemas.microsoft.com/office/infopath/2007/PartnerControls">
+  <documentManagement>
+    <_ip_UnifiedCompliancePolicyUIAction xmlns="http://schemas.microsoft.com/sharepoint/v3" xsi:nil="true"/>
+    <Image xmlns="71af3243-3dd4-4a8d-8c0d-dd76da1f02a5">
+      <Url xsi:nil="true"/>
+      <Description xsi:nil="true"/>
+    </Image>
+    <Status xmlns="71af3243-3dd4-4a8d-8c0d-dd76da1f02a5">Not started</Status>
+    <Background xmlns="71af3243-3dd4-4a8d-8c0d-dd76da1f02a5">false</Background>
+    <_ip_UnifiedCompliancePolicyProperties xmlns="http://schemas.microsoft.com/sharepoint/v3" xsi:nil="true"/>
+    <ImageTagsTaxHTField xmlns="71af3243-3dd4-4a8d-8c0d-dd76da1f02a5">
+      <Terms xmlns="http://schemas.microsoft.com/office/infopath/2007/PartnerControls"/>
+    </ImageTagsTaxHTField>
+    <TaxCatchAll xmlns="230e9df3-be65-4c73-a93b-d1236ebd677e" xsi:nil="true"/>
+    <MediaServiceKeyPoints xmlns="71af3243-3dd4-4a8d-8c0d-dd76da1f02a5" xsi:nil="true"/>
+  </documentManagement>
+</p:properties>
+</file>
+
 <file path=customXml/itemProps1.xml><?xml version="1.0" encoding="utf-8"?>
 <ds:datastoreItem xmlns:ds="http://schemas.openxmlformats.org/officeDocument/2006/customXml" ds:itemID="{F8C25491-3B09-4F3E-8C86-936D290E4013}">
   <ds:schemaRefs>
@@ -27105,18 +27165,6 @@
 </file>
 
 <file path=customXml/itemProps2.xml><?xml version="1.0" encoding="utf-8"?>
-<ds:datastoreItem xmlns:ds="http://schemas.openxmlformats.org/officeDocument/2006/customXml" ds:itemID="{F4D5854E-F453-4846-A87D-6EF3DCF73E3E}">
-  <ds:schemaRefs>
-    <ds:schemaRef ds:uri="http://schemas.microsoft.com/office/2006/metadata/properties"/>
-    <ds:schemaRef ds:uri="http://schemas.microsoft.com/office/infopath/2007/PartnerControls"/>
-    <ds:schemaRef ds:uri="http://schemas.microsoft.com/sharepoint/v3"/>
-    <ds:schemaRef ds:uri="71af3243-3dd4-4a8d-8c0d-dd76da1f02a5"/>
-    <ds:schemaRef ds:uri="230e9df3-be65-4c73-a93b-d1236ebd677e"/>
-  </ds:schemaRefs>
-</ds:datastoreItem>
-</file>
-
-<file path=customXml/itemProps3.xml><?xml version="1.0" encoding="utf-8"?>
 <ds:datastoreItem xmlns:ds="http://schemas.openxmlformats.org/officeDocument/2006/customXml" ds:itemID="{337AE0CD-4570-4F66-89CD-DDD19F091E8D}">
   <ds:schemaRefs>
     <ds:schemaRef ds:uri="http://schemas.microsoft.com/office/2006/metadata/contentType"/>
@@ -27137,6 +27185,18 @@
 </ds:datastoreItem>
 </file>
 
+<file path=customXml/itemProps3.xml><?xml version="1.0" encoding="utf-8"?>
+<ds:datastoreItem xmlns:ds="http://schemas.openxmlformats.org/officeDocument/2006/customXml" ds:itemID="{F4D5854E-F453-4846-A87D-6EF3DCF73E3E}">
+  <ds:schemaRefs>
+    <ds:schemaRef ds:uri="http://schemas.microsoft.com/office/2006/metadata/properties"/>
+    <ds:schemaRef ds:uri="http://schemas.microsoft.com/office/infopath/2007/PartnerControls"/>
+    <ds:schemaRef ds:uri="http://schemas.microsoft.com/sharepoint/v3"/>
+    <ds:schemaRef ds:uri="71af3243-3dd4-4a8d-8c0d-dd76da1f02a5"/>
+    <ds:schemaRef ds:uri="230e9df3-be65-4c73-a93b-d1236ebd677e"/>
+  </ds:schemaRefs>
+</ds:datastoreItem>
+</file>
+
 <file path=docMetadata/LabelInfo.xml><?xml version="1.0" encoding="utf-8"?>
 <clbl:labelList xmlns:clbl="http://schemas.microsoft.com/office/2020/mipLabelMetadata"/>
 </file>